--- a/documentacao/powerPoint/Proto-persona.pptx
+++ b/documentacao/powerPoint/Proto-persona.pptx
@@ -261,7 +261,7 @@
           <a:p>
             <a:fld id="{46DF35DE-0DC8-4534-86A5-D1F1F01A51FA}" type="datetimeFigureOut">
               <a:rPr lang="pt-BR" smtClean="0"/>
-              <a:t>18/10/2019</a:t>
+              <a:t>30/10/2019</a:t>
             </a:fld>
             <a:endParaRPr lang="pt-BR"/>
           </a:p>
@@ -461,7 +461,7 @@
           <a:p>
             <a:fld id="{46DF35DE-0DC8-4534-86A5-D1F1F01A51FA}" type="datetimeFigureOut">
               <a:rPr lang="pt-BR" smtClean="0"/>
-              <a:t>18/10/2019</a:t>
+              <a:t>30/10/2019</a:t>
             </a:fld>
             <a:endParaRPr lang="pt-BR"/>
           </a:p>
@@ -671,7 +671,7 @@
           <a:p>
             <a:fld id="{46DF35DE-0DC8-4534-86A5-D1F1F01A51FA}" type="datetimeFigureOut">
               <a:rPr lang="pt-BR" smtClean="0"/>
-              <a:t>18/10/2019</a:t>
+              <a:t>30/10/2019</a:t>
             </a:fld>
             <a:endParaRPr lang="pt-BR"/>
           </a:p>
@@ -871,7 +871,7 @@
           <a:p>
             <a:fld id="{46DF35DE-0DC8-4534-86A5-D1F1F01A51FA}" type="datetimeFigureOut">
               <a:rPr lang="pt-BR" smtClean="0"/>
-              <a:t>18/10/2019</a:t>
+              <a:t>30/10/2019</a:t>
             </a:fld>
             <a:endParaRPr lang="pt-BR"/>
           </a:p>
@@ -1147,7 +1147,7 @@
           <a:p>
             <a:fld id="{46DF35DE-0DC8-4534-86A5-D1F1F01A51FA}" type="datetimeFigureOut">
               <a:rPr lang="pt-BR" smtClean="0"/>
-              <a:t>18/10/2019</a:t>
+              <a:t>30/10/2019</a:t>
             </a:fld>
             <a:endParaRPr lang="pt-BR"/>
           </a:p>
@@ -1415,7 +1415,7 @@
           <a:p>
             <a:fld id="{46DF35DE-0DC8-4534-86A5-D1F1F01A51FA}" type="datetimeFigureOut">
               <a:rPr lang="pt-BR" smtClean="0"/>
-              <a:t>18/10/2019</a:t>
+              <a:t>30/10/2019</a:t>
             </a:fld>
             <a:endParaRPr lang="pt-BR"/>
           </a:p>
@@ -1830,7 +1830,7 @@
           <a:p>
             <a:fld id="{46DF35DE-0DC8-4534-86A5-D1F1F01A51FA}" type="datetimeFigureOut">
               <a:rPr lang="pt-BR" smtClean="0"/>
-              <a:t>18/10/2019</a:t>
+              <a:t>30/10/2019</a:t>
             </a:fld>
             <a:endParaRPr lang="pt-BR"/>
           </a:p>
@@ -1972,7 +1972,7 @@
           <a:p>
             <a:fld id="{46DF35DE-0DC8-4534-86A5-D1F1F01A51FA}" type="datetimeFigureOut">
               <a:rPr lang="pt-BR" smtClean="0"/>
-              <a:t>18/10/2019</a:t>
+              <a:t>30/10/2019</a:t>
             </a:fld>
             <a:endParaRPr lang="pt-BR"/>
           </a:p>
@@ -2085,7 +2085,7 @@
           <a:p>
             <a:fld id="{46DF35DE-0DC8-4534-86A5-D1F1F01A51FA}" type="datetimeFigureOut">
               <a:rPr lang="pt-BR" smtClean="0"/>
-              <a:t>18/10/2019</a:t>
+              <a:t>30/10/2019</a:t>
             </a:fld>
             <a:endParaRPr lang="pt-BR"/>
           </a:p>
@@ -2398,7 +2398,7 @@
           <a:p>
             <a:fld id="{46DF35DE-0DC8-4534-86A5-D1F1F01A51FA}" type="datetimeFigureOut">
               <a:rPr lang="pt-BR" smtClean="0"/>
-              <a:t>18/10/2019</a:t>
+              <a:t>30/10/2019</a:t>
             </a:fld>
             <a:endParaRPr lang="pt-BR"/>
           </a:p>
@@ -2687,7 +2687,7 @@
           <a:p>
             <a:fld id="{46DF35DE-0DC8-4534-86A5-D1F1F01A51FA}" type="datetimeFigureOut">
               <a:rPr lang="pt-BR" smtClean="0"/>
-              <a:t>18/10/2019</a:t>
+              <a:t>30/10/2019</a:t>
             </a:fld>
             <a:endParaRPr lang="pt-BR"/>
           </a:p>
@@ -2930,7 +2930,7 @@
           <a:p>
             <a:fld id="{46DF35DE-0DC8-4534-86A5-D1F1F01A51FA}" type="datetimeFigureOut">
               <a:rPr lang="pt-BR" smtClean="0"/>
-              <a:t>18/10/2019</a:t>
+              <a:t>30/10/2019</a:t>
             </a:fld>
             <a:endParaRPr lang="pt-BR"/>
           </a:p>
@@ -3918,7 +3918,13 @@
               <a:rPr lang="pt-BR" sz="2000" dirty="0">
                 <a:latin typeface="+mj-lt"/>
               </a:rPr>
-              <a:t>Trabalha na área de infraestrutura;</a:t>
+              <a:t>Trabalha na área de </a:t>
+            </a:r>
+            <a:r>
+              <a:rPr lang="pt-BR" sz="2000" dirty="0" smtClean="0">
+                <a:latin typeface="+mj-lt"/>
+              </a:rPr>
+              <a:t>infraestrutura do aeroporto;</a:t>
             </a:r>
             <a:endParaRPr sz="2000" dirty="0">
               <a:latin typeface="+mj-lt"/>
